--- a/00_문서/중간발표용/PLC 중간발표 자료.pptx
+++ b/00_문서/중간발표용/PLC 중간발표 자료.pptx
@@ -7,8 +7,9 @@
   <p:sldIdLst>
     <p:sldId id="257" r:id="rId2"/>
     <p:sldId id="258" r:id="rId3"/>
-    <p:sldId id="259" r:id="rId4"/>
-    <p:sldId id="261" r:id="rId5"/>
+    <p:sldId id="262" r:id="rId4"/>
+    <p:sldId id="259" r:id="rId5"/>
+    <p:sldId id="261" r:id="rId6"/>
   </p:sldIdLst>
   <p:sldSz cx="12192000" cy="6858000"/>
   <p:notesSz cx="6858000" cy="9144000"/>
@@ -107,6 +108,11 @@
       </a:defRPr>
     </a:lvl9pPr>
   </p:defaultTextStyle>
+  <p:extLst>
+    <p:ext uri="{EFAFB233-063F-42B5-8137-9DF3F51BA10A}">
+      <p15:sldGuideLst xmlns:p15="http://schemas.microsoft.com/office/powerpoint/2012/main"/>
+    </p:ext>
+  </p:extLst>
 </p:presentation>
 </file>
 
@@ -4720,7 +4726,7 @@
         </p:nvSpPr>
         <p:spPr>
           <a:xfrm>
-            <a:off x="72428" y="258008"/>
+            <a:off x="0" y="0"/>
             <a:ext cx="12023002" cy="1427747"/>
           </a:xfrm>
           <a:prstGeom prst="rect">
@@ -4906,7 +4912,7 @@
                 <a:ea typeface="HY동녘M" panose="02030600000101010101" pitchFamily="18" charset="-127"/>
                 <a:cs typeface="ADLaM Display" panose="020F0502020204030204" pitchFamily="2" charset="0"/>
               </a:rPr>
-              <a:t>Firebase Realtime Database</a:t>
+              <a:t>PLC I/O(</a:t>
             </a:r>
             <a:r>
               <a:rPr lang="ko-KR" altLang="en-US" sz="4000" dirty="0">
@@ -4914,15 +4920,15 @@
                 <a:ea typeface="HY동녘M" panose="02030600000101010101" pitchFamily="18" charset="-127"/>
                 <a:cs typeface="ADLaM Display" panose="020F0502020204030204" pitchFamily="2" charset="0"/>
               </a:rPr>
-              <a:t>에서 </a:t>
-            </a:r>
-            <a:r>
-              <a:rPr lang="ko-KR" altLang="en-US" sz="4000" dirty="0" err="1">
+              <a:t>입출력 할당표</a:t>
+            </a:r>
+            <a:r>
+              <a:rPr lang="en-US" altLang="ko-KR" sz="4000" dirty="0">
                 <a:latin typeface="HY동녘M" panose="02030600000101010101" pitchFamily="18" charset="-127"/>
                 <a:ea typeface="HY동녘M" panose="02030600000101010101" pitchFamily="18" charset="-127"/>
                 <a:cs typeface="ADLaM Display" panose="020F0502020204030204" pitchFamily="2" charset="0"/>
               </a:rPr>
-              <a:t>토트수량</a:t>
+              <a:t>) </a:t>
             </a:r>
             <a:r>
               <a:rPr lang="ko-KR" altLang="en-US" sz="4000" dirty="0">
@@ -4930,7 +4936,7 @@
                 <a:ea typeface="HY동녘M" panose="02030600000101010101" pitchFamily="18" charset="-127"/>
                 <a:cs typeface="ADLaM Display" panose="020F0502020204030204" pitchFamily="2" charset="0"/>
               </a:rPr>
-              <a:t> </a:t>
+              <a:t>작성 </a:t>
             </a:r>
             <a:r>
               <a:rPr lang="en-US" altLang="ko-KR" sz="4000" dirty="0">
@@ -4938,7 +4944,7 @@
                 <a:ea typeface="HY동녘M" panose="02030600000101010101" pitchFamily="18" charset="-127"/>
                 <a:cs typeface="ADLaM Display" panose="020F0502020204030204" pitchFamily="2" charset="0"/>
               </a:rPr>
-              <a:t>Get</a:t>
+              <a:t>in WBS</a:t>
             </a:r>
             <a:endParaRPr lang="ko-KR" altLang="en-US" sz="4000" dirty="0">
               <a:latin typeface="HY동녘M" panose="02030600000101010101" pitchFamily="18" charset="-127"/>
@@ -4948,57 +4954,21 @@
           </a:p>
         </p:txBody>
       </p:sp>
-      <p:pic>
-        <p:nvPicPr>
-          <p:cNvPr id="3" name="그림 2" descr="텍스트, 스크린샷, 라인, 도표이(가) 표시된 사진&#10;&#10;자동 생성된 설명">
-            <a:extLst>
-              <a:ext uri="{FF2B5EF4-FFF2-40B4-BE49-F238E27FC236}">
-                <a16:creationId xmlns:a16="http://schemas.microsoft.com/office/drawing/2014/main" id="{9461CB83-1D51-0D83-8A9A-76A4C193623F}"/>
-              </a:ext>
-            </a:extLst>
-          </p:cNvPr>
-          <p:cNvPicPr>
-            <a:picLocks noChangeAspect="1"/>
-          </p:cNvPicPr>
+      <p:sp>
+        <p:nvSpPr>
+          <p:cNvPr id="5" name="생각 풍선: 구름 모양 4">
+            <a:extLst>
+              <a:ext uri="{FF2B5EF4-FFF2-40B4-BE49-F238E27FC236}">
+                <a16:creationId xmlns:a16="http://schemas.microsoft.com/office/drawing/2014/main" id="{02684481-C63D-352A-35F9-63BEEB907FD9}"/>
+              </a:ext>
+            </a:extLst>
+          </p:cNvPr>
+          <p:cNvSpPr/>
           <p:nvPr/>
-        </p:nvPicPr>
-        <p:blipFill>
-          <a:blip r:embed="rId2">
-            <a:extLst>
-              <a:ext uri="{28A0092B-C50C-407E-A947-70E740481C1C}">
-                <a14:useLocalDpi xmlns:a14="http://schemas.microsoft.com/office/drawing/2010/main" val="0"/>
-              </a:ext>
-            </a:extLst>
-          </a:blip>
-          <a:stretch>
-            <a:fillRect/>
-          </a:stretch>
-        </p:blipFill>
+        </p:nvSpPr>
         <p:spPr>
           <a:xfrm>
-            <a:off x="955497" y="1800779"/>
-            <a:ext cx="7201905" cy="4441399"/>
-          </a:xfrm>
-          <a:prstGeom prst="rect">
-            <a:avLst/>
-          </a:prstGeom>
-        </p:spPr>
-      </p:pic>
-      <p:sp>
-        <p:nvSpPr>
-          <p:cNvPr id="5" name="생각 풍선: 구름 모양 4">
-            <a:extLst>
-              <a:ext uri="{FF2B5EF4-FFF2-40B4-BE49-F238E27FC236}">
-                <a16:creationId xmlns:a16="http://schemas.microsoft.com/office/drawing/2014/main" id="{02684481-C63D-352A-35F9-63BEEB907FD9}"/>
-              </a:ext>
-            </a:extLst>
-          </p:cNvPr>
-          <p:cNvSpPr/>
-          <p:nvPr/>
-        </p:nvSpPr>
-        <p:spPr>
-          <a:xfrm>
-            <a:off x="8598342" y="1915836"/>
+            <a:off x="8355746" y="1915836"/>
             <a:ext cx="3179293" cy="1750263"/>
           </a:xfrm>
           <a:prstGeom prst="cloudCallout">
@@ -5028,15 +4998,54 @@
             <a:pPr algn="ctr"/>
             <a:r>
               <a:rPr lang="ko-KR" altLang="en-US" dirty="0"/>
-              <a:t> 데이터 관리 용이</a:t>
-            </a:r>
-          </a:p>
-          <a:p>
-            <a:pPr algn="ctr"/>
-            <a:endParaRPr lang="ko-KR" altLang="en-US" dirty="0"/>
-          </a:p>
-        </p:txBody>
-      </p:sp>
+              <a:t>입</a:t>
+            </a:r>
+            <a:r>
+              <a:rPr lang="en-US" altLang="ko-KR" dirty="0"/>
+              <a:t>/</a:t>
+            </a:r>
+            <a:r>
+              <a:rPr lang="ko-KR" altLang="en-US" dirty="0"/>
+              <a:t>출력 장치 파악 용이</a:t>
+            </a:r>
+          </a:p>
+        </p:txBody>
+      </p:sp>
+      <p:pic>
+        <p:nvPicPr>
+          <p:cNvPr id="4" name="그림 3" descr="텍스트, 번호, 스크린샷, 폰트이(가) 표시된 사진&#10;&#10;자동 생성된 설명">
+            <a:extLst>
+              <a:ext uri="{FF2B5EF4-FFF2-40B4-BE49-F238E27FC236}">
+                <a16:creationId xmlns:a16="http://schemas.microsoft.com/office/drawing/2014/main" id="{11E9330E-F873-9B6A-FCA2-9276D50FACF6}"/>
+              </a:ext>
+            </a:extLst>
+          </p:cNvPr>
+          <p:cNvPicPr>
+            <a:picLocks noChangeAspect="1"/>
+          </p:cNvPicPr>
+          <p:nvPr/>
+        </p:nvPicPr>
+        <p:blipFill>
+          <a:blip r:embed="rId2">
+            <a:extLst>
+              <a:ext uri="{28A0092B-C50C-407E-A947-70E740481C1C}">
+                <a14:useLocalDpi xmlns:a14="http://schemas.microsoft.com/office/drawing/2010/main" val="0"/>
+              </a:ext>
+            </a:extLst>
+          </a:blip>
+          <a:srcRect r="-162" b="34499"/>
+          <a:stretch/>
+        </p:blipFill>
+        <p:spPr>
+          <a:xfrm>
+            <a:off x="521198" y="1624535"/>
+            <a:ext cx="7483462" cy="5018860"/>
+          </a:xfrm>
+          <a:prstGeom prst="rect">
+            <a:avLst/>
+          </a:prstGeom>
+        </p:spPr>
+      </p:pic>
     </p:spTree>
     <p:extLst>
       <p:ext uri="{BB962C8B-B14F-4D97-AF65-F5344CB8AC3E}">
@@ -5083,6 +5092,369 @@
         </p:nvSpPr>
         <p:spPr>
           <a:xfrm>
+            <a:off x="72428" y="258008"/>
+            <a:ext cx="12023002" cy="1427747"/>
+          </a:xfrm>
+          <a:prstGeom prst="rect">
+            <a:avLst/>
+          </a:prstGeom>
+          <a:ln>
+            <a:noFill/>
+          </a:ln>
+        </p:spPr>
+        <p:txBody>
+          <a:bodyPr vert="horz" lIns="91440" tIns="45720" rIns="91440" bIns="45720" rtlCol="0" anchor="ctr">
+            <a:noAutofit/>
+          </a:bodyPr>
+          <a:lstStyle>
+            <a:lvl1pPr marL="0" indent="0" algn="ctr" defTabSz="914400" rtl="0" eaLnBrk="1" latinLnBrk="1" hangingPunct="1">
+              <a:lnSpc>
+                <a:spcPct val="90000"/>
+              </a:lnSpc>
+              <a:spcBef>
+                <a:spcPts val="1000"/>
+              </a:spcBef>
+              <a:buFont typeface="Arial" panose="020B0604020202020204" pitchFamily="34" charset="0"/>
+              <a:buNone/>
+              <a:defRPr sz="2400" kern="1200">
+                <a:solidFill>
+                  <a:schemeClr val="tx1"/>
+                </a:solidFill>
+                <a:latin typeface="+mn-lt"/>
+                <a:ea typeface="+mn-ea"/>
+                <a:cs typeface="+mn-cs"/>
+              </a:defRPr>
+            </a:lvl1pPr>
+            <a:lvl2pPr marL="457200" indent="0" algn="ctr" defTabSz="914400" rtl="0" eaLnBrk="1" latinLnBrk="1" hangingPunct="1">
+              <a:lnSpc>
+                <a:spcPct val="90000"/>
+              </a:lnSpc>
+              <a:spcBef>
+                <a:spcPts val="500"/>
+              </a:spcBef>
+              <a:buFont typeface="Arial" panose="020B0604020202020204" pitchFamily="34" charset="0"/>
+              <a:buNone/>
+              <a:defRPr sz="2000" kern="1200">
+                <a:solidFill>
+                  <a:schemeClr val="tx1"/>
+                </a:solidFill>
+                <a:latin typeface="+mn-lt"/>
+                <a:ea typeface="+mn-ea"/>
+                <a:cs typeface="+mn-cs"/>
+              </a:defRPr>
+            </a:lvl2pPr>
+            <a:lvl3pPr marL="914400" indent="0" algn="ctr" defTabSz="914400" rtl="0" eaLnBrk="1" latinLnBrk="1" hangingPunct="1">
+              <a:lnSpc>
+                <a:spcPct val="90000"/>
+              </a:lnSpc>
+              <a:spcBef>
+                <a:spcPts val="500"/>
+              </a:spcBef>
+              <a:buFont typeface="Arial" panose="020B0604020202020204" pitchFamily="34" charset="0"/>
+              <a:buNone/>
+              <a:defRPr sz="1800" kern="1200">
+                <a:solidFill>
+                  <a:schemeClr val="tx1"/>
+                </a:solidFill>
+                <a:latin typeface="+mn-lt"/>
+                <a:ea typeface="+mn-ea"/>
+                <a:cs typeface="+mn-cs"/>
+              </a:defRPr>
+            </a:lvl3pPr>
+            <a:lvl4pPr marL="1371600" indent="0" algn="ctr" defTabSz="914400" rtl="0" eaLnBrk="1" latinLnBrk="1" hangingPunct="1">
+              <a:lnSpc>
+                <a:spcPct val="90000"/>
+              </a:lnSpc>
+              <a:spcBef>
+                <a:spcPts val="500"/>
+              </a:spcBef>
+              <a:buFont typeface="Arial" panose="020B0604020202020204" pitchFamily="34" charset="0"/>
+              <a:buNone/>
+              <a:defRPr sz="1600" kern="1200">
+                <a:solidFill>
+                  <a:schemeClr val="tx1"/>
+                </a:solidFill>
+                <a:latin typeface="+mn-lt"/>
+                <a:ea typeface="+mn-ea"/>
+                <a:cs typeface="+mn-cs"/>
+              </a:defRPr>
+            </a:lvl4pPr>
+            <a:lvl5pPr marL="1828800" indent="0" algn="ctr" defTabSz="914400" rtl="0" eaLnBrk="1" latinLnBrk="1" hangingPunct="1">
+              <a:lnSpc>
+                <a:spcPct val="90000"/>
+              </a:lnSpc>
+              <a:spcBef>
+                <a:spcPts val="500"/>
+              </a:spcBef>
+              <a:buFont typeface="Arial" panose="020B0604020202020204" pitchFamily="34" charset="0"/>
+              <a:buNone/>
+              <a:defRPr sz="1600" kern="1200">
+                <a:solidFill>
+                  <a:schemeClr val="tx1"/>
+                </a:solidFill>
+                <a:latin typeface="+mn-lt"/>
+                <a:ea typeface="+mn-ea"/>
+                <a:cs typeface="+mn-cs"/>
+              </a:defRPr>
+            </a:lvl5pPr>
+            <a:lvl6pPr marL="2286000" indent="0" algn="ctr" defTabSz="914400" rtl="0" eaLnBrk="1" latinLnBrk="1" hangingPunct="1">
+              <a:lnSpc>
+                <a:spcPct val="90000"/>
+              </a:lnSpc>
+              <a:spcBef>
+                <a:spcPts val="500"/>
+              </a:spcBef>
+              <a:buFont typeface="Arial" panose="020B0604020202020204" pitchFamily="34" charset="0"/>
+              <a:buNone/>
+              <a:defRPr sz="1600" kern="1200">
+                <a:solidFill>
+                  <a:schemeClr val="tx1"/>
+                </a:solidFill>
+                <a:latin typeface="+mn-lt"/>
+                <a:ea typeface="+mn-ea"/>
+                <a:cs typeface="+mn-cs"/>
+              </a:defRPr>
+            </a:lvl6pPr>
+            <a:lvl7pPr marL="2743200" indent="0" algn="ctr" defTabSz="914400" rtl="0" eaLnBrk="1" latinLnBrk="1" hangingPunct="1">
+              <a:lnSpc>
+                <a:spcPct val="90000"/>
+              </a:lnSpc>
+              <a:spcBef>
+                <a:spcPts val="500"/>
+              </a:spcBef>
+              <a:buFont typeface="Arial" panose="020B0604020202020204" pitchFamily="34" charset="0"/>
+              <a:buNone/>
+              <a:defRPr sz="1600" kern="1200">
+                <a:solidFill>
+                  <a:schemeClr val="tx1"/>
+                </a:solidFill>
+                <a:latin typeface="+mn-lt"/>
+                <a:ea typeface="+mn-ea"/>
+                <a:cs typeface="+mn-cs"/>
+              </a:defRPr>
+            </a:lvl7pPr>
+            <a:lvl8pPr marL="3200400" indent="0" algn="ctr" defTabSz="914400" rtl="0" eaLnBrk="1" latinLnBrk="1" hangingPunct="1">
+              <a:lnSpc>
+                <a:spcPct val="90000"/>
+              </a:lnSpc>
+              <a:spcBef>
+                <a:spcPts val="500"/>
+              </a:spcBef>
+              <a:buFont typeface="Arial" panose="020B0604020202020204" pitchFamily="34" charset="0"/>
+              <a:buNone/>
+              <a:defRPr sz="1600" kern="1200">
+                <a:solidFill>
+                  <a:schemeClr val="tx1"/>
+                </a:solidFill>
+                <a:latin typeface="+mn-lt"/>
+                <a:ea typeface="+mn-ea"/>
+                <a:cs typeface="+mn-cs"/>
+              </a:defRPr>
+            </a:lvl8pPr>
+            <a:lvl9pPr marL="3657600" indent="0" algn="ctr" defTabSz="914400" rtl="0" eaLnBrk="1" latinLnBrk="1" hangingPunct="1">
+              <a:lnSpc>
+                <a:spcPct val="90000"/>
+              </a:lnSpc>
+              <a:spcBef>
+                <a:spcPts val="500"/>
+              </a:spcBef>
+              <a:buFont typeface="Arial" panose="020B0604020202020204" pitchFamily="34" charset="0"/>
+              <a:buNone/>
+              <a:defRPr sz="1600" kern="1200">
+                <a:solidFill>
+                  <a:schemeClr val="tx1"/>
+                </a:solidFill>
+                <a:latin typeface="+mn-lt"/>
+                <a:ea typeface="+mn-ea"/>
+                <a:cs typeface="+mn-cs"/>
+              </a:defRPr>
+            </a:lvl9pPr>
+          </a:lstStyle>
+          <a:p>
+            <a:pPr lvl="1"/>
+            <a:r>
+              <a:rPr lang="en-US" altLang="ko-KR" sz="4000" dirty="0">
+                <a:latin typeface="HY동녘M" panose="02030600000101010101" pitchFamily="18" charset="-127"/>
+                <a:ea typeface="HY동녘M" panose="02030600000101010101" pitchFamily="18" charset="-127"/>
+                <a:cs typeface="ADLaM Display" panose="020F0502020204030204" pitchFamily="2" charset="0"/>
+              </a:rPr>
+              <a:t>Firebase Realtime Database</a:t>
+            </a:r>
+            <a:r>
+              <a:rPr lang="ko-KR" altLang="en-US" sz="4000" dirty="0">
+                <a:latin typeface="HY동녘M" panose="02030600000101010101" pitchFamily="18" charset="-127"/>
+                <a:ea typeface="HY동녘M" panose="02030600000101010101" pitchFamily="18" charset="-127"/>
+                <a:cs typeface="ADLaM Display" panose="020F0502020204030204" pitchFamily="2" charset="0"/>
+              </a:rPr>
+              <a:t>에서 </a:t>
+            </a:r>
+            <a:r>
+              <a:rPr lang="ko-KR" altLang="en-US" sz="4000" dirty="0" err="1">
+                <a:latin typeface="HY동녘M" panose="02030600000101010101" pitchFamily="18" charset="-127"/>
+                <a:ea typeface="HY동녘M" panose="02030600000101010101" pitchFamily="18" charset="-127"/>
+                <a:cs typeface="ADLaM Display" panose="020F0502020204030204" pitchFamily="2" charset="0"/>
+              </a:rPr>
+              <a:t>토트수량</a:t>
+            </a:r>
+            <a:r>
+              <a:rPr lang="ko-KR" altLang="en-US" sz="4000" dirty="0">
+                <a:latin typeface="HY동녘M" panose="02030600000101010101" pitchFamily="18" charset="-127"/>
+                <a:ea typeface="HY동녘M" panose="02030600000101010101" pitchFamily="18" charset="-127"/>
+                <a:cs typeface="ADLaM Display" panose="020F0502020204030204" pitchFamily="2" charset="0"/>
+              </a:rPr>
+              <a:t> </a:t>
+            </a:r>
+            <a:r>
+              <a:rPr lang="en-US" altLang="ko-KR" sz="4000" dirty="0">
+                <a:latin typeface="HY동녘M" panose="02030600000101010101" pitchFamily="18" charset="-127"/>
+                <a:ea typeface="HY동녘M" panose="02030600000101010101" pitchFamily="18" charset="-127"/>
+                <a:cs typeface="ADLaM Display" panose="020F0502020204030204" pitchFamily="2" charset="0"/>
+              </a:rPr>
+              <a:t>Get</a:t>
+            </a:r>
+            <a:endParaRPr lang="ko-KR" altLang="en-US" sz="4000" dirty="0">
+              <a:latin typeface="HY동녘M" panose="02030600000101010101" pitchFamily="18" charset="-127"/>
+              <a:ea typeface="HY동녘M" panose="02030600000101010101" pitchFamily="18" charset="-127"/>
+              <a:cs typeface="ADLaM Display" panose="020F0502020204030204" pitchFamily="2" charset="0"/>
+            </a:endParaRPr>
+          </a:p>
+        </p:txBody>
+      </p:sp>
+      <p:pic>
+        <p:nvPicPr>
+          <p:cNvPr id="3" name="그림 2" descr="텍스트, 스크린샷, 라인, 도표이(가) 표시된 사진&#10;&#10;자동 생성된 설명">
+            <a:extLst>
+              <a:ext uri="{FF2B5EF4-FFF2-40B4-BE49-F238E27FC236}">
+                <a16:creationId xmlns:a16="http://schemas.microsoft.com/office/drawing/2014/main" id="{9461CB83-1D51-0D83-8A9A-76A4C193623F}"/>
+              </a:ext>
+            </a:extLst>
+          </p:cNvPr>
+          <p:cNvPicPr>
+            <a:picLocks noChangeAspect="1"/>
+          </p:cNvPicPr>
+          <p:nvPr/>
+        </p:nvPicPr>
+        <p:blipFill>
+          <a:blip r:embed="rId2">
+            <a:extLst>
+              <a:ext uri="{28A0092B-C50C-407E-A947-70E740481C1C}">
+                <a14:useLocalDpi xmlns:a14="http://schemas.microsoft.com/office/drawing/2010/main" val="0"/>
+              </a:ext>
+            </a:extLst>
+          </a:blip>
+          <a:stretch>
+            <a:fillRect/>
+          </a:stretch>
+        </p:blipFill>
+        <p:spPr>
+          <a:xfrm>
+            <a:off x="955497" y="1800779"/>
+            <a:ext cx="7201905" cy="4441399"/>
+          </a:xfrm>
+          <a:prstGeom prst="rect">
+            <a:avLst/>
+          </a:prstGeom>
+        </p:spPr>
+      </p:pic>
+      <p:sp>
+        <p:nvSpPr>
+          <p:cNvPr id="5" name="생각 풍선: 구름 모양 4">
+            <a:extLst>
+              <a:ext uri="{FF2B5EF4-FFF2-40B4-BE49-F238E27FC236}">
+                <a16:creationId xmlns:a16="http://schemas.microsoft.com/office/drawing/2014/main" id="{02684481-C63D-352A-35F9-63BEEB907FD9}"/>
+              </a:ext>
+            </a:extLst>
+          </p:cNvPr>
+          <p:cNvSpPr/>
+          <p:nvPr/>
+        </p:nvSpPr>
+        <p:spPr>
+          <a:xfrm>
+            <a:off x="8598342" y="1915836"/>
+            <a:ext cx="3179293" cy="1750263"/>
+          </a:xfrm>
+          <a:prstGeom prst="cloudCallout">
+            <a:avLst/>
+          </a:prstGeom>
+        </p:spPr>
+        <p:style>
+          <a:lnRef idx="2">
+            <a:schemeClr val="accent4">
+              <a:shade val="15000"/>
+            </a:schemeClr>
+          </a:lnRef>
+          <a:fillRef idx="1">
+            <a:schemeClr val="accent4"/>
+          </a:fillRef>
+          <a:effectRef idx="0">
+            <a:schemeClr val="accent4"/>
+          </a:effectRef>
+          <a:fontRef idx="minor">
+            <a:schemeClr val="lt1"/>
+          </a:fontRef>
+        </p:style>
+        <p:txBody>
+          <a:bodyPr rtlCol="0" anchor="ctr"/>
+          <a:lstStyle/>
+          <a:p>
+            <a:pPr algn="ctr"/>
+            <a:r>
+              <a:rPr lang="ko-KR" altLang="en-US" dirty="0"/>
+              <a:t> 데이터 관리 용이</a:t>
+            </a:r>
+          </a:p>
+          <a:p>
+            <a:pPr algn="ctr"/>
+            <a:endParaRPr lang="ko-KR" altLang="en-US" dirty="0"/>
+          </a:p>
+        </p:txBody>
+      </p:sp>
+    </p:spTree>
+    <p:extLst>
+      <p:ext uri="{BB962C8B-B14F-4D97-AF65-F5344CB8AC3E}">
+        <p14:creationId xmlns:p14="http://schemas.microsoft.com/office/powerpoint/2010/main" val="3396102649"/>
+      </p:ext>
+    </p:extLst>
+  </p:cSld>
+  <p:clrMapOvr>
+    <a:masterClrMapping/>
+  </p:clrMapOvr>
+</p:sld>
+</file>
+
+<file path=ppt/slides/slide4.xml><?xml version="1.0" encoding="utf-8"?>
+<p:sld xmlns:a="http://schemas.openxmlformats.org/drawingml/2006/main" xmlns:r="http://schemas.openxmlformats.org/officeDocument/2006/relationships" xmlns:p="http://schemas.openxmlformats.org/presentationml/2006/main">
+  <p:cSld>
+    <p:spTree>
+      <p:nvGrpSpPr>
+        <p:cNvPr id="1" name=""/>
+        <p:cNvGrpSpPr/>
+        <p:nvPr/>
+      </p:nvGrpSpPr>
+      <p:grpSpPr>
+        <a:xfrm>
+          <a:off x="0" y="0"/>
+          <a:ext cx="0" cy="0"/>
+          <a:chOff x="0" y="0"/>
+          <a:chExt cx="0" cy="0"/>
+        </a:xfrm>
+      </p:grpSpPr>
+      <p:sp>
+        <p:nvSpPr>
+          <p:cNvPr id="47" name="부제목 2">
+            <a:extLst>
+              <a:ext uri="{FF2B5EF4-FFF2-40B4-BE49-F238E27FC236}">
+                <a16:creationId xmlns:a16="http://schemas.microsoft.com/office/drawing/2014/main" id="{60850B32-7537-8078-CA1F-B114E13826AC}"/>
+              </a:ext>
+            </a:extLst>
+          </p:cNvPr>
+          <p:cNvSpPr txBox="1">
+            <a:spLocks/>
+          </p:cNvSpPr>
+          <p:nvPr/>
+        </p:nvSpPr>
+        <p:spPr>
+          <a:xfrm>
             <a:off x="0" y="117699"/>
             <a:ext cx="12192000" cy="1191814"/>
           </a:xfrm>
@@ -5408,7 +5780,7 @@
 </p:sld>
 </file>
 
-<file path=ppt/slides/slide4.xml><?xml version="1.0" encoding="utf-8"?>
+<file path=ppt/slides/slide5.xml><?xml version="1.0" encoding="utf-8"?>
 <p:sld xmlns:a="http://schemas.openxmlformats.org/drawingml/2006/main" xmlns:r="http://schemas.openxmlformats.org/officeDocument/2006/relationships" xmlns:p="http://schemas.openxmlformats.org/presentationml/2006/main">
   <p:cSld>
     <p:spTree>
